--- a/docs/Network Anamoly Detection.pptx
+++ b/docs/Network Anamoly Detection.pptx
@@ -6631,13 +6631,8 @@
             <a:pPr lvl="1"/>
             <a:r>
               <a:rPr lang="en-US" dirty="0" smtClean="0"/>
-              <a:t>The geo-location determined using the IP address is different from the location of the device</a:t>
-            </a:r>
-            <a:r>
-              <a:rPr lang="en-US" dirty="0" smtClean="0"/>
-              <a:t>.</a:t>
-            </a:r>
-            <a:endParaRPr lang="en-US" dirty="0" smtClean="0"/>
+              <a:t>The geo-location determined using the IP address is different from the location of the device.</a:t>
+            </a:r>
           </a:p>
           <a:p>
             <a:endParaRPr lang="en-US" dirty="0"/>
@@ -6953,8 +6948,70 @@
         </p:nvSpPr>
         <p:spPr/>
         <p:txBody>
-          <a:bodyPr/>
-          <a:lstStyle/>
+          <a:bodyPr>
+            <a:normAutofit/>
+          </a:bodyPr>
+          <a:lstStyle/>
+          <a:p>
+            <a:r>
+              <a:rPr lang="en-US" dirty="0" smtClean="0"/>
+              <a:t>In Mapper stage, map every event using IP as the key</a:t>
+            </a:r>
+          </a:p>
+          <a:p>
+            <a:r>
+              <a:rPr lang="en-US" dirty="0" smtClean="0"/>
+              <a:t>In Reducer stage, flag or not flag every event for location spoofing</a:t>
+            </a:r>
+          </a:p>
+          <a:p>
+            <a:r>
+              <a:rPr lang="en-US" dirty="0" smtClean="0"/>
+              <a:t>Location spoofed if</a:t>
+            </a:r>
+          </a:p>
+          <a:p>
+            <a:pPr lvl="1"/>
+            <a:r>
+              <a:rPr lang="en-US" dirty="0"/>
+              <a:t>T</a:t>
+            </a:r>
+            <a:r>
+              <a:rPr lang="en-US" dirty="0" smtClean="0"/>
+              <a:t>he users are greater than average household count for any given IP</a:t>
+            </a:r>
+          </a:p>
+          <a:p>
+            <a:pPr lvl="1"/>
+            <a:r>
+              <a:rPr lang="en-US" dirty="0"/>
+              <a:t>T</a:t>
+            </a:r>
+            <a:r>
+              <a:rPr lang="en-US" dirty="0" smtClean="0"/>
+              <a:t>he </a:t>
+            </a:r>
+            <a:r>
+              <a:rPr lang="en-US" dirty="0"/>
+              <a:t>IP location’s is different from the determined </a:t>
+            </a:r>
+            <a:r>
+              <a:rPr lang="en-US" dirty="0" smtClean="0"/>
+              <a:t>coarse</a:t>
+            </a:r>
+          </a:p>
+          <a:p>
+            <a:pPr lvl="2"/>
+            <a:r>
+              <a:rPr lang="en-US" dirty="0"/>
+              <a:t>C</a:t>
+            </a:r>
+            <a:r>
+              <a:rPr lang="en-US" dirty="0" smtClean="0"/>
+              <a:t>oarse location  for the given IP is determined based on the locations of all events</a:t>
+            </a:r>
+            <a:endParaRPr lang="en-US" dirty="0" smtClean="0"/>
+          </a:p>
           <a:p>
             <a:endParaRPr lang="en-US" dirty="0"/>
           </a:p>
@@ -7005,7 +7062,11 @@
           <a:bodyPr/>
           <a:lstStyle/>
           <a:p>
-            <a:endParaRPr lang="en-US"/>
+            <a:r>
+              <a:rPr lang="en-US" dirty="0" smtClean="0"/>
+              <a:t>User profiling and anomaly detection</a:t>
+            </a:r>
+            <a:endParaRPr lang="en-US" dirty="0"/>
           </a:p>
         </p:txBody>
       </p:sp>

--- a/docs/Network Anamoly Detection.pptx
+++ b/docs/Network Anamoly Detection.pptx
@@ -13,8 +13,9 @@
     <p:sldId id="260" r:id="rId7"/>
     <p:sldId id="264" r:id="rId8"/>
     <p:sldId id="265" r:id="rId9"/>
-    <p:sldId id="261" r:id="rId10"/>
-    <p:sldId id="262" r:id="rId11"/>
+    <p:sldId id="266" r:id="rId10"/>
+    <p:sldId id="261" r:id="rId11"/>
+    <p:sldId id="262" r:id="rId12"/>
   </p:sldIdLst>
   <p:sldSz cx="12192000" cy="6858000"/>
   <p:notesSz cx="6858000" cy="9144000"/>
@@ -6189,6 +6190,78 @@
           <a:p>
             <a:r>
               <a:rPr lang="en-US" dirty="0" smtClean="0"/>
+              <a:t>Simulations/ Proposed methods</a:t>
+            </a:r>
+            <a:endParaRPr lang="en-US" dirty="0"/>
+          </a:p>
+        </p:txBody>
+      </p:sp>
+      <p:sp>
+        <p:nvSpPr>
+          <p:cNvPr id="3" name="Content Placeholder 2"/>
+          <p:cNvSpPr>
+            <a:spLocks noGrp="1"/>
+          </p:cNvSpPr>
+          <p:nvPr>
+            <p:ph idx="1"/>
+          </p:nvPr>
+        </p:nvSpPr>
+        <p:spPr/>
+        <p:txBody>
+          <a:bodyPr/>
+          <a:lstStyle/>
+          <a:p>
+            <a:endParaRPr lang="en-US"/>
+          </a:p>
+        </p:txBody>
+      </p:sp>
+    </p:spTree>
+    <p:extLst>
+      <p:ext uri="{BB962C8B-B14F-4D97-AF65-F5344CB8AC3E}">
+        <p14:creationId xmlns:p14="http://schemas.microsoft.com/office/powerpoint/2010/main" val="691284042"/>
+      </p:ext>
+    </p:extLst>
+  </p:cSld>
+  <p:clrMapOvr>
+    <a:masterClrMapping/>
+  </p:clrMapOvr>
+</p:sld>
+</file>
+
+<file path=ppt/slides/slide11.xml><?xml version="1.0" encoding="utf-8"?>
+<p:sld xmlns:a="http://schemas.openxmlformats.org/drawingml/2006/main" xmlns:r="http://schemas.openxmlformats.org/officeDocument/2006/relationships" xmlns:p="http://schemas.openxmlformats.org/presentationml/2006/main">
+  <p:cSld>
+    <p:spTree>
+      <p:nvGrpSpPr>
+        <p:cNvPr id="1" name=""/>
+        <p:cNvGrpSpPr/>
+        <p:nvPr/>
+      </p:nvGrpSpPr>
+      <p:grpSpPr>
+        <a:xfrm>
+          <a:off x="0" y="0"/>
+          <a:ext cx="0" cy="0"/>
+          <a:chOff x="0" y="0"/>
+          <a:chExt cx="0" cy="0"/>
+        </a:xfrm>
+      </p:grpSpPr>
+      <p:sp>
+        <p:nvSpPr>
+          <p:cNvPr id="2" name="Title 1"/>
+          <p:cNvSpPr>
+            <a:spLocks noGrp="1"/>
+          </p:cNvSpPr>
+          <p:nvPr>
+            <p:ph type="title"/>
+          </p:nvPr>
+        </p:nvSpPr>
+        <p:spPr/>
+        <p:txBody>
+          <a:bodyPr/>
+          <a:lstStyle/>
+          <a:p>
+            <a:r>
+              <a:rPr lang="en-US" dirty="0" smtClean="0"/>
               <a:t>Analysis for the results</a:t>
             </a:r>
             <a:endParaRPr lang="en-US" dirty="0"/>
@@ -7010,7 +7083,6 @@
               <a:rPr lang="en-US" dirty="0" smtClean="0"/>
               <a:t>oarse location  for the given IP is determined based on the locations of all events</a:t>
             </a:r>
-            <a:endParaRPr lang="en-US" dirty="0" smtClean="0"/>
           </a:p>
           <a:p>
             <a:endParaRPr lang="en-US" dirty="0"/>
@@ -7085,7 +7157,34 @@
           <a:bodyPr/>
           <a:lstStyle/>
           <a:p>
-            <a:endParaRPr lang="en-US"/>
+            <a:r>
+              <a:rPr lang="en-US" dirty="0" smtClean="0"/>
+              <a:t>For every event, map all the previous events which belong to that user</a:t>
+            </a:r>
+          </a:p>
+          <a:p>
+            <a:endParaRPr lang="en-US" dirty="0"/>
+          </a:p>
+          <a:p>
+            <a:endParaRPr lang="en-US" dirty="0" smtClean="0"/>
+          </a:p>
+          <a:p>
+            <a:endParaRPr lang="en-US" dirty="0"/>
+          </a:p>
+          <a:p>
+            <a:endParaRPr lang="en-US" dirty="0" smtClean="0"/>
+          </a:p>
+          <a:p>
+            <a:endParaRPr lang="en-US" dirty="0"/>
+          </a:p>
+          <a:p>
+            <a:endParaRPr lang="en-US" dirty="0" smtClean="0"/>
+          </a:p>
+          <a:p>
+            <a:endParaRPr lang="en-US" dirty="0"/>
+          </a:p>
+          <a:p>
+            <a:endParaRPr lang="en-US" dirty="0"/>
           </a:p>
         </p:txBody>
       </p:sp>
@@ -7135,36 +7234,82 @@
           <a:lstStyle/>
           <a:p>
             <a:r>
+              <a:rPr lang="en-US" dirty="0"/>
+              <a:t>User profiling and anomaly detection</a:t>
+            </a:r>
+          </a:p>
+        </p:txBody>
+      </p:sp>
+      <p:sp>
+        <p:nvSpPr>
+          <p:cNvPr id="3" name="Content Placeholder 2"/>
+          <p:cNvSpPr>
+            <a:spLocks noGrp="1"/>
+          </p:cNvSpPr>
+          <p:nvPr>
+            <p:ph idx="1"/>
+          </p:nvPr>
+        </p:nvSpPr>
+        <p:spPr/>
+        <p:txBody>
+          <a:bodyPr>
+            <a:normAutofit fontScale="92500"/>
+          </a:bodyPr>
+          <a:lstStyle/>
+          <a:p>
+            <a:r>
               <a:rPr lang="en-US" dirty="0" smtClean="0"/>
-              <a:t>Simulations/ Proposed methods</a:t>
+              <a:t>Determine all the defined anomalies present in the event</a:t>
+            </a:r>
+          </a:p>
+          <a:p>
+            <a:r>
+              <a:rPr lang="en-US" dirty="0" smtClean="0"/>
+              <a:t>Calculate the total anomaly factor for the event</a:t>
+            </a:r>
+          </a:p>
+          <a:p>
+            <a:pPr lvl="1"/>
+            <a:r>
+              <a:rPr lang="en-US" dirty="0" smtClean="0"/>
+              <a:t>Ex: If location spoofing is detected for the event, then anomaly factor is 0.35</a:t>
+            </a:r>
+          </a:p>
+          <a:p>
+            <a:pPr lvl="1"/>
+            <a:r>
+              <a:rPr lang="en-US" dirty="0" smtClean="0"/>
+              <a:t>If user had authentication failure as prior event, then anomaly factor is 0.40</a:t>
+            </a:r>
+          </a:p>
+          <a:p>
+            <a:pPr lvl="1"/>
+            <a:r>
+              <a:rPr lang="en-US" dirty="0" smtClean="0"/>
+              <a:t>If even has both (location spoofing &amp; </a:t>
+            </a:r>
+            <a:r>
+              <a:rPr lang="en-US" dirty="0"/>
+              <a:t>authentication </a:t>
+            </a:r>
+            <a:r>
+              <a:rPr lang="en-US" dirty="0" smtClean="0"/>
+              <a:t>failure), then anomaly factory is 0.75</a:t>
+            </a:r>
+          </a:p>
+          <a:p>
+            <a:r>
+              <a:rPr lang="en-US" dirty="0" smtClean="0"/>
+              <a:t>If calculated anomaly factor is greater than the threshold, flag the event for administrator’s review</a:t>
             </a:r>
             <a:endParaRPr lang="en-US" dirty="0"/>
-          </a:p>
-        </p:txBody>
-      </p:sp>
-      <p:sp>
-        <p:nvSpPr>
-          <p:cNvPr id="3" name="Content Placeholder 2"/>
-          <p:cNvSpPr>
-            <a:spLocks noGrp="1"/>
-          </p:cNvSpPr>
-          <p:nvPr>
-            <p:ph idx="1"/>
-          </p:nvPr>
-        </p:nvSpPr>
-        <p:spPr/>
-        <p:txBody>
-          <a:bodyPr/>
-          <a:lstStyle/>
-          <a:p>
-            <a:endParaRPr lang="en-US"/>
           </a:p>
         </p:txBody>
       </p:sp>
     </p:spTree>
     <p:extLst>
       <p:ext uri="{BB962C8B-B14F-4D97-AF65-F5344CB8AC3E}">
-        <p14:creationId xmlns:p14="http://schemas.microsoft.com/office/powerpoint/2010/main" val="691284042"/>
+        <p14:creationId xmlns:p14="http://schemas.microsoft.com/office/powerpoint/2010/main" val="404011316"/>
       </p:ext>
     </p:extLst>
   </p:cSld>

--- a/docs/Network Anamoly Detection.pptx
+++ b/docs/Network Anamoly Detection.pptx
@@ -6571,7 +6571,12 @@
             <p:ph type="title"/>
           </p:nvPr>
         </p:nvSpPr>
-        <p:spPr/>
+        <p:spPr>
+          <a:xfrm>
+            <a:off x="1484311" y="685801"/>
+            <a:ext cx="10018713" cy="970472"/>
+          </a:xfrm>
+        </p:spPr>
         <p:txBody>
           <a:bodyPr/>
           <a:lstStyle/>
@@ -6594,9 +6599,16 @@
             <p:ph idx="1"/>
           </p:nvPr>
         </p:nvSpPr>
-        <p:spPr/>
-        <p:txBody>
-          <a:bodyPr/>
+        <p:spPr>
+          <a:xfrm>
+            <a:off x="1328468" y="1794295"/>
+            <a:ext cx="10174555" cy="3996906"/>
+          </a:xfrm>
+        </p:spPr>
+        <p:txBody>
+          <a:bodyPr>
+            <a:normAutofit lnSpcReduction="10000"/>
+          </a:bodyPr>
           <a:lstStyle/>
           <a:p>
             <a:pPr marL="0" lvl="0" indent="0">
@@ -6608,7 +6620,10 @@
               </a:spcBef>
               <a:buNone/>
             </a:pPr>
-            <a:endParaRPr lang="en-US" dirty="0" smtClean="0"/>
+            <a:r>
+              <a:rPr lang="en-US" dirty="0"/>
+              <a:t>In the IEEE paper, A policy Anomaly Detection Algorithm Based on MapReduce, the authors discuss the need to define some security strategies(rules for computer network access) to control the data packet for the network devices like the firewall.</a:t>
+            </a:r>
           </a:p>
           <a:p>
             <a:pPr marL="0" lvl="0" indent="0">
@@ -6620,6 +6635,54 @@
               </a:spcBef>
               <a:buNone/>
             </a:pPr>
+            <a:endParaRPr lang="en-US" dirty="0"/>
+          </a:p>
+          <a:p>
+            <a:pPr marL="0" lvl="0" indent="0">
+              <a:lnSpc>
+                <a:spcPct val="100000"/>
+              </a:lnSpc>
+              <a:spcBef>
+                <a:spcPts val="0"/>
+              </a:spcBef>
+              <a:buNone/>
+            </a:pPr>
+            <a:r>
+              <a:rPr lang="en-US" dirty="0"/>
+              <a:t>The security strategy is combined with the fields - &lt;id, protocol, </a:t>
+            </a:r>
+            <a:r>
+              <a:rPr lang="en-US" dirty="0" err="1"/>
+              <a:t>sourceIP</a:t>
+            </a:r>
+            <a:r>
+              <a:rPr lang="en-US" dirty="0"/>
+              <a:t>, </a:t>
+            </a:r>
+            <a:r>
+              <a:rPr lang="en-US" dirty="0" err="1"/>
+              <a:t>sourcePort</a:t>
+            </a:r>
+            <a:r>
+              <a:rPr lang="en-US" dirty="0"/>
+              <a:t>, </a:t>
+            </a:r>
+            <a:r>
+              <a:rPr lang="en-US" dirty="0" err="1"/>
+              <a:t>targetIP</a:t>
+            </a:r>
+            <a:r>
+              <a:rPr lang="en-US" dirty="0"/>
+              <a:t>, </a:t>
+            </a:r>
+            <a:r>
+              <a:rPr lang="en-US" dirty="0" err="1"/>
+              <a:t>targetPort</a:t>
+            </a:r>
+            <a:r>
+              <a:rPr lang="en-US" dirty="0"/>
+              <a:t>, action&gt; where ‘id’ is the unique identifier.  When the data packet reach the network devices, it will check the rules according to the strategy list. If the head of the data packet matches the range of IP address then it will allow the data packet to go through else the data packet will be rejected.</a:t>
+            </a:r>
             <a:endParaRPr lang="en-US" dirty="0"/>
           </a:p>
         </p:txBody>

--- a/docs/Network Anamoly Detection.pptx
+++ b/docs/Network Anamoly Detection.pptx
@@ -15,7 +15,6 @@
     <p:sldId id="265" r:id="rId9"/>
     <p:sldId id="266" r:id="rId10"/>
     <p:sldId id="261" r:id="rId11"/>
-    <p:sldId id="262" r:id="rId12"/>
   </p:sldIdLst>
   <p:sldSz cx="12192000" cy="6858000"/>
   <p:notesSz cx="6858000" cy="9144000"/>
@@ -6190,7 +6189,7 @@
           <a:p>
             <a:r>
               <a:rPr lang="en-US" dirty="0" smtClean="0"/>
-              <a:t>Simulations/ Proposed methods</a:t>
+              <a:t>Work in progress</a:t>
             </a:r>
             <a:endParaRPr lang="en-US" dirty="0"/>
           </a:p>
@@ -6211,7 +6210,21 @@
           <a:bodyPr/>
           <a:lstStyle/>
           <a:p>
-            <a:endParaRPr lang="en-US"/>
+            <a:r>
+              <a:rPr lang="en-US" dirty="0"/>
+              <a:t>Simulations/ Proposed </a:t>
+            </a:r>
+            <a:r>
+              <a:rPr lang="en-US" dirty="0" smtClean="0"/>
+              <a:t>methods</a:t>
+            </a:r>
+          </a:p>
+          <a:p>
+            <a:r>
+              <a:rPr lang="en-US" dirty="0"/>
+              <a:t>Analysis for the results</a:t>
+            </a:r>
+            <a:endParaRPr lang="en-US" dirty="0"/>
           </a:p>
         </p:txBody>
       </p:sp>
@@ -6219,78 +6232,6 @@
     <p:extLst>
       <p:ext uri="{BB962C8B-B14F-4D97-AF65-F5344CB8AC3E}">
         <p14:creationId xmlns:p14="http://schemas.microsoft.com/office/powerpoint/2010/main" val="691284042"/>
-      </p:ext>
-    </p:extLst>
-  </p:cSld>
-  <p:clrMapOvr>
-    <a:masterClrMapping/>
-  </p:clrMapOvr>
-</p:sld>
-</file>
-
-<file path=ppt/slides/slide11.xml><?xml version="1.0" encoding="utf-8"?>
-<p:sld xmlns:a="http://schemas.openxmlformats.org/drawingml/2006/main" xmlns:r="http://schemas.openxmlformats.org/officeDocument/2006/relationships" xmlns:p="http://schemas.openxmlformats.org/presentationml/2006/main">
-  <p:cSld>
-    <p:spTree>
-      <p:nvGrpSpPr>
-        <p:cNvPr id="1" name=""/>
-        <p:cNvGrpSpPr/>
-        <p:nvPr/>
-      </p:nvGrpSpPr>
-      <p:grpSpPr>
-        <a:xfrm>
-          <a:off x="0" y="0"/>
-          <a:ext cx="0" cy="0"/>
-          <a:chOff x="0" y="0"/>
-          <a:chExt cx="0" cy="0"/>
-        </a:xfrm>
-      </p:grpSpPr>
-      <p:sp>
-        <p:nvSpPr>
-          <p:cNvPr id="2" name="Title 1"/>
-          <p:cNvSpPr>
-            <a:spLocks noGrp="1"/>
-          </p:cNvSpPr>
-          <p:nvPr>
-            <p:ph type="title"/>
-          </p:nvPr>
-        </p:nvSpPr>
-        <p:spPr/>
-        <p:txBody>
-          <a:bodyPr/>
-          <a:lstStyle/>
-          <a:p>
-            <a:r>
-              <a:rPr lang="en-US" dirty="0" smtClean="0"/>
-              <a:t>Analysis for the results</a:t>
-            </a:r>
-            <a:endParaRPr lang="en-US" dirty="0"/>
-          </a:p>
-        </p:txBody>
-      </p:sp>
-      <p:sp>
-        <p:nvSpPr>
-          <p:cNvPr id="3" name="Content Placeholder 2"/>
-          <p:cNvSpPr>
-            <a:spLocks noGrp="1"/>
-          </p:cNvSpPr>
-          <p:nvPr>
-            <p:ph idx="1"/>
-          </p:nvPr>
-        </p:nvSpPr>
-        <p:spPr/>
-        <p:txBody>
-          <a:bodyPr/>
-          <a:lstStyle/>
-          <a:p>
-            <a:endParaRPr lang="en-US"/>
-          </a:p>
-        </p:txBody>
-      </p:sp>
-    </p:spTree>
-    <p:extLst>
-      <p:ext uri="{BB962C8B-B14F-4D97-AF65-F5344CB8AC3E}">
-        <p14:creationId xmlns:p14="http://schemas.microsoft.com/office/powerpoint/2010/main" val="1443043810"/>
       </p:ext>
     </p:extLst>
   </p:cSld>
@@ -6683,7 +6624,6 @@
               <a:rPr lang="en-US" dirty="0"/>
               <a:t>, action&gt; where ‘id’ is the unique identifier.  When the data packet reach the network devices, it will check the rules according to the strategy list. If the head of the data packet matches the range of IP address then it will allow the data packet to go through else the data packet will be rejected.</a:t>
             </a:r>
-            <a:endParaRPr lang="en-US" dirty="0"/>
           </a:p>
         </p:txBody>
       </p:sp>

--- a/docs/Network Anamoly Detection.pptx
+++ b/docs/Network Anamoly Detection.pptx
@@ -480,7 +480,7 @@
           </a:lstStyle>
           <a:p>
             <a:r>
-              <a:rPr lang="en-US" smtClean="0"/>
+              <a:rPr lang="en-US"/>
               <a:t>Click to edit Master title style</a:t>
             </a:r>
             <a:endParaRPr lang="en-US" dirty="0"/>
@@ -599,7 +599,7 @@
           </a:lstStyle>
           <a:p>
             <a:r>
-              <a:rPr lang="en-US" smtClean="0"/>
+              <a:rPr lang="en-US"/>
               <a:t>Click to edit Master subtitle style</a:t>
             </a:r>
             <a:endParaRPr lang="en-US" dirty="0"/>
@@ -623,7 +623,7 @@
           <a:p>
             <a:fld id="{2C6F032D-BA9E-9346-BD51-8BCE30FB162D}" type="datetimeFigureOut">
               <a:rPr lang="en-US" smtClean="0"/>
-              <a:t>4/19/17</a:t>
+              <a:t>4/19/2017</a:t>
             </a:fld>
             <a:endParaRPr lang="en-US"/>
           </a:p>
@@ -728,7 +728,7 @@
           </a:lstStyle>
           <a:p>
             <a:r>
-              <a:rPr lang="en-US" smtClean="0"/>
+              <a:rPr lang="en-US"/>
               <a:t>Click to edit Master title style</a:t>
             </a:r>
             <a:endParaRPr lang="en-US" dirty="0"/>
@@ -823,7 +823,7 @@
           </a:lstStyle>
           <a:p>
             <a:r>
-              <a:rPr lang="en-US" smtClean="0"/>
+              <a:rPr lang="en-US"/>
               <a:t>Drag picture to placeholder or click icon to add</a:t>
             </a:r>
             <a:endParaRPr lang="en-US" dirty="0"/>
@@ -891,7 +891,7 @@
           <a:p>
             <a:pPr lvl="0"/>
             <a:r>
-              <a:rPr lang="en-US" smtClean="0"/>
+              <a:rPr lang="en-US"/>
               <a:t>Click to edit Master text styles</a:t>
             </a:r>
           </a:p>
@@ -914,7 +914,7 @@
           <a:p>
             <a:fld id="{2C6F032D-BA9E-9346-BD51-8BCE30FB162D}" type="datetimeFigureOut">
               <a:rPr lang="en-US" smtClean="0"/>
-              <a:t>4/19/17</a:t>
+              <a:t>4/19/2017</a:t>
             </a:fld>
             <a:endParaRPr lang="en-US"/>
           </a:p>
@@ -1014,7 +1014,7 @@
           </a:lstStyle>
           <a:p>
             <a:r>
-              <a:rPr lang="en-US" smtClean="0"/>
+              <a:rPr lang="en-US"/>
               <a:t>Click to edit Master title style</a:t>
             </a:r>
             <a:endParaRPr lang="en-US" dirty="0"/>
@@ -1134,7 +1134,7 @@
           <a:p>
             <a:pPr lvl="0"/>
             <a:r>
-              <a:rPr lang="en-US" smtClean="0"/>
+              <a:rPr lang="en-US"/>
               <a:t>Click to edit Master text styles</a:t>
             </a:r>
           </a:p>
@@ -1157,7 +1157,7 @@
           <a:p>
             <a:fld id="{2C6F032D-BA9E-9346-BD51-8BCE30FB162D}" type="datetimeFigureOut">
               <a:rPr lang="en-US" smtClean="0"/>
-              <a:t>4/19/17</a:t>
+              <a:t>4/19/2017</a:t>
             </a:fld>
             <a:endParaRPr lang="en-US"/>
           </a:p>
@@ -1493,7 +1493,7 @@
           </a:lstStyle>
           <a:p>
             <a:r>
-              <a:rPr lang="en-US" smtClean="0"/>
+              <a:rPr lang="en-US"/>
               <a:t>Click to edit Master title style</a:t>
             </a:r>
             <a:endParaRPr lang="en-US" dirty="0"/>
@@ -1550,7 +1550,7 @@
           <a:p>
             <a:pPr lvl="0"/>
             <a:r>
-              <a:rPr lang="en-US" smtClean="0"/>
+              <a:rPr lang="en-US"/>
               <a:t>Click to edit Master text styles</a:t>
             </a:r>
           </a:p>
@@ -1669,7 +1669,7 @@
           <a:p>
             <a:pPr lvl="0"/>
             <a:r>
-              <a:rPr lang="en-US" smtClean="0"/>
+              <a:rPr lang="en-US"/>
               <a:t>Click to edit Master text styles</a:t>
             </a:r>
           </a:p>
@@ -1692,7 +1692,7 @@
           <a:p>
             <a:fld id="{2C6F032D-BA9E-9346-BD51-8BCE30FB162D}" type="datetimeFigureOut">
               <a:rPr lang="en-US" smtClean="0"/>
-              <a:t>4/19/17</a:t>
+              <a:t>4/19/2017</a:t>
             </a:fld>
             <a:endParaRPr lang="en-US"/>
           </a:p>
@@ -1792,7 +1792,7 @@
           </a:lstStyle>
           <a:p>
             <a:r>
-              <a:rPr lang="en-US" smtClean="0"/>
+              <a:rPr lang="en-US"/>
               <a:t>Click to edit Master title style</a:t>
             </a:r>
             <a:endParaRPr lang="en-US" dirty="0"/>
@@ -1912,7 +1912,7 @@
           <a:p>
             <a:pPr lvl="0"/>
             <a:r>
-              <a:rPr lang="en-US" smtClean="0"/>
+              <a:rPr lang="en-US"/>
               <a:t>Click to edit Master text styles</a:t>
             </a:r>
           </a:p>
@@ -1935,7 +1935,7 @@
           <a:p>
             <a:fld id="{2C6F032D-BA9E-9346-BD51-8BCE30FB162D}" type="datetimeFigureOut">
               <a:rPr lang="en-US" smtClean="0"/>
-              <a:t>4/19/17</a:t>
+              <a:t>4/19/2017</a:t>
             </a:fld>
             <a:endParaRPr lang="en-US"/>
           </a:p>
@@ -2271,7 +2271,7 @@
           </a:lstStyle>
           <a:p>
             <a:r>
-              <a:rPr lang="en-US" smtClean="0"/>
+              <a:rPr lang="en-US"/>
               <a:t>Click to edit Master title style</a:t>
             </a:r>
             <a:endParaRPr lang="en-US" dirty="0"/>
@@ -2320,7 +2320,7 @@
               <a:buNone/>
             </a:pPr>
             <a:r>
-              <a:rPr lang="en-US" smtClean="0"/>
+              <a:rPr lang="en-US"/>
               <a:t>Click to edit Master text styles</a:t>
             </a:r>
           </a:p>
@@ -2439,7 +2439,7 @@
           <a:p>
             <a:pPr lvl="0"/>
             <a:r>
-              <a:rPr lang="en-US" smtClean="0"/>
+              <a:rPr lang="en-US"/>
               <a:t>Click to edit Master text styles</a:t>
             </a:r>
           </a:p>
@@ -2462,7 +2462,7 @@
           <a:p>
             <a:fld id="{2C6F032D-BA9E-9346-BD51-8BCE30FB162D}" type="datetimeFigureOut">
               <a:rPr lang="en-US" smtClean="0"/>
-              <a:t>4/19/17</a:t>
+              <a:t>4/19/2017</a:t>
             </a:fld>
             <a:endParaRPr lang="en-US"/>
           </a:p>
@@ -2563,7 +2563,7 @@
           <a:p>
             <a:pPr marL="0" lvl="0"/>
             <a:r>
-              <a:rPr lang="en-US" smtClean="0"/>
+              <a:rPr lang="en-US"/>
               <a:t>Click to edit Master title style</a:t>
             </a:r>
             <a:endParaRPr lang="en-US" dirty="0"/>
@@ -2612,7 +2612,7 @@
               <a:buNone/>
             </a:pPr>
             <a:r>
-              <a:rPr lang="en-US" smtClean="0"/>
+              <a:rPr lang="en-US"/>
               <a:t>Click to edit Master text styles</a:t>
             </a:r>
           </a:p>
@@ -2731,7 +2731,7 @@
           <a:p>
             <a:pPr lvl="0"/>
             <a:r>
-              <a:rPr lang="en-US" smtClean="0"/>
+              <a:rPr lang="en-US"/>
               <a:t>Click to edit Master text styles</a:t>
             </a:r>
           </a:p>
@@ -2754,7 +2754,7 @@
           <a:p>
             <a:fld id="{2C6F032D-BA9E-9346-BD51-8BCE30FB162D}" type="datetimeFigureOut">
               <a:rPr lang="en-US" smtClean="0"/>
-              <a:t>4/19/17</a:t>
+              <a:t>4/19/2017</a:t>
             </a:fld>
             <a:endParaRPr lang="en-US"/>
           </a:p>
@@ -2847,7 +2847,7 @@
           </a:lstStyle>
           <a:p>
             <a:r>
-              <a:rPr lang="en-US" smtClean="0"/>
+              <a:rPr lang="en-US"/>
               <a:t>Click to edit Master title style</a:t>
             </a:r>
             <a:endParaRPr lang="en-US" dirty="0"/>
@@ -2871,35 +2871,35 @@
           <a:p>
             <a:pPr lvl="0"/>
             <a:r>
-              <a:rPr lang="en-US" smtClean="0"/>
+              <a:rPr lang="en-US"/>
               <a:t>Click to edit Master text styles</a:t>
             </a:r>
           </a:p>
           <a:p>
             <a:pPr lvl="1"/>
             <a:r>
-              <a:rPr lang="en-US" smtClean="0"/>
+              <a:rPr lang="en-US"/>
               <a:t>Second level</a:t>
             </a:r>
           </a:p>
           <a:p>
             <a:pPr lvl="2"/>
             <a:r>
-              <a:rPr lang="en-US" smtClean="0"/>
+              <a:rPr lang="en-US"/>
               <a:t>Third level</a:t>
             </a:r>
           </a:p>
           <a:p>
             <a:pPr lvl="3"/>
             <a:r>
-              <a:rPr lang="en-US" smtClean="0"/>
+              <a:rPr lang="en-US"/>
               <a:t>Fourth level</a:t>
             </a:r>
           </a:p>
           <a:p>
             <a:pPr lvl="4"/>
             <a:r>
-              <a:rPr lang="en-US" smtClean="0"/>
+              <a:rPr lang="en-US"/>
               <a:t>Fifth level</a:t>
             </a:r>
             <a:endParaRPr lang="en-US" dirty="0"/>
@@ -2923,7 +2923,7 @@
           <a:p>
             <a:fld id="{2C6F032D-BA9E-9346-BD51-8BCE30FB162D}" type="datetimeFigureOut">
               <a:rPr lang="en-US" smtClean="0"/>
-              <a:t>4/19/17</a:t>
+              <a:t>4/19/2017</a:t>
             </a:fld>
             <a:endParaRPr lang="en-US"/>
           </a:p>
@@ -3017,7 +3017,7 @@
           <a:lstStyle/>
           <a:p>
             <a:r>
-              <a:rPr lang="en-US" smtClean="0"/>
+              <a:rPr lang="en-US"/>
               <a:t>Click to edit Master title style</a:t>
             </a:r>
             <a:endParaRPr lang="en-US" dirty="0"/>
@@ -3046,35 +3046,35 @@
           <a:p>
             <a:pPr lvl="0"/>
             <a:r>
-              <a:rPr lang="en-US" smtClean="0"/>
+              <a:rPr lang="en-US"/>
               <a:t>Click to edit Master text styles</a:t>
             </a:r>
           </a:p>
           <a:p>
             <a:pPr lvl="1"/>
             <a:r>
-              <a:rPr lang="en-US" smtClean="0"/>
+              <a:rPr lang="en-US"/>
               <a:t>Second level</a:t>
             </a:r>
           </a:p>
           <a:p>
             <a:pPr lvl="2"/>
             <a:r>
-              <a:rPr lang="en-US" smtClean="0"/>
+              <a:rPr lang="en-US"/>
               <a:t>Third level</a:t>
             </a:r>
           </a:p>
           <a:p>
             <a:pPr lvl="3"/>
             <a:r>
-              <a:rPr lang="en-US" smtClean="0"/>
+              <a:rPr lang="en-US"/>
               <a:t>Fourth level</a:t>
             </a:r>
           </a:p>
           <a:p>
             <a:pPr lvl="4"/>
             <a:r>
-              <a:rPr lang="en-US" smtClean="0"/>
+              <a:rPr lang="en-US"/>
               <a:t>Fifth level</a:t>
             </a:r>
             <a:endParaRPr lang="en-US" dirty="0"/>
@@ -3098,7 +3098,7 @@
           <a:p>
             <a:fld id="{2C6F032D-BA9E-9346-BD51-8BCE30FB162D}" type="datetimeFigureOut">
               <a:rPr lang="en-US" smtClean="0"/>
-              <a:t>4/19/17</a:t>
+              <a:t>4/19/2017</a:t>
             </a:fld>
             <a:endParaRPr lang="en-US"/>
           </a:p>
@@ -3187,7 +3187,7 @@
           <a:lstStyle/>
           <a:p>
             <a:r>
-              <a:rPr lang="en-US" smtClean="0"/>
+              <a:rPr lang="en-US"/>
               <a:t>Click to edit Master title style</a:t>
             </a:r>
             <a:endParaRPr lang="en-US" dirty="0"/>
@@ -3211,35 +3211,35 @@
           <a:p>
             <a:pPr lvl="0"/>
             <a:r>
-              <a:rPr lang="en-US" smtClean="0"/>
+              <a:rPr lang="en-US"/>
               <a:t>Click to edit Master text styles</a:t>
             </a:r>
           </a:p>
           <a:p>
             <a:pPr lvl="1"/>
             <a:r>
-              <a:rPr lang="en-US" smtClean="0"/>
+              <a:rPr lang="en-US"/>
               <a:t>Second level</a:t>
             </a:r>
           </a:p>
           <a:p>
             <a:pPr lvl="2"/>
             <a:r>
-              <a:rPr lang="en-US" smtClean="0"/>
+              <a:rPr lang="en-US"/>
               <a:t>Third level</a:t>
             </a:r>
           </a:p>
           <a:p>
             <a:pPr lvl="3"/>
             <a:r>
-              <a:rPr lang="en-US" smtClean="0"/>
+              <a:rPr lang="en-US"/>
               <a:t>Fourth level</a:t>
             </a:r>
           </a:p>
           <a:p>
             <a:pPr lvl="4"/>
             <a:r>
-              <a:rPr lang="en-US" smtClean="0"/>
+              <a:rPr lang="en-US"/>
               <a:t>Fifth level</a:t>
             </a:r>
             <a:endParaRPr lang="en-US" dirty="0"/>
@@ -3263,7 +3263,7 @@
           <a:p>
             <a:fld id="{2C6F032D-BA9E-9346-BD51-8BCE30FB162D}" type="datetimeFigureOut">
               <a:rPr lang="en-US" smtClean="0"/>
-              <a:t>4/19/17</a:t>
+              <a:t>4/19/2017</a:t>
             </a:fld>
             <a:endParaRPr lang="en-US"/>
           </a:p>
@@ -3366,7 +3366,7 @@
           </a:lstStyle>
           <a:p>
             <a:r>
-              <a:rPr lang="en-US" smtClean="0"/>
+              <a:rPr lang="en-US"/>
               <a:t>Click to edit Master title style</a:t>
             </a:r>
             <a:endParaRPr lang="en-US" dirty="0"/>
@@ -3486,7 +3486,7 @@
           <a:p>
             <a:pPr lvl="0"/>
             <a:r>
-              <a:rPr lang="en-US" smtClean="0"/>
+              <a:rPr lang="en-US"/>
               <a:t>Click to edit Master text styles</a:t>
             </a:r>
           </a:p>
@@ -3509,7 +3509,7 @@
           <a:p>
             <a:fld id="{2C6F032D-BA9E-9346-BD51-8BCE30FB162D}" type="datetimeFigureOut">
               <a:rPr lang="en-US" smtClean="0"/>
-              <a:t>4/19/17</a:t>
+              <a:t>4/19/2017</a:t>
             </a:fld>
             <a:endParaRPr lang="en-US"/>
           </a:p>
@@ -3603,7 +3603,7 @@
           <a:lstStyle/>
           <a:p>
             <a:r>
-              <a:rPr lang="en-US" smtClean="0"/>
+              <a:rPr lang="en-US"/>
               <a:t>Click to edit Master title style</a:t>
             </a:r>
             <a:endParaRPr lang="en-US" dirty="0"/>
@@ -3662,35 +3662,35 @@
           <a:p>
             <a:pPr lvl="0"/>
             <a:r>
-              <a:rPr lang="en-US" smtClean="0"/>
+              <a:rPr lang="en-US"/>
               <a:t>Click to edit Master text styles</a:t>
             </a:r>
           </a:p>
           <a:p>
             <a:pPr lvl="1"/>
             <a:r>
-              <a:rPr lang="en-US" smtClean="0"/>
+              <a:rPr lang="en-US"/>
               <a:t>Second level</a:t>
             </a:r>
           </a:p>
           <a:p>
             <a:pPr lvl="2"/>
             <a:r>
-              <a:rPr lang="en-US" smtClean="0"/>
+              <a:rPr lang="en-US"/>
               <a:t>Third level</a:t>
             </a:r>
           </a:p>
           <a:p>
             <a:pPr lvl="3"/>
             <a:r>
-              <a:rPr lang="en-US" smtClean="0"/>
+              <a:rPr lang="en-US"/>
               <a:t>Fourth level</a:t>
             </a:r>
           </a:p>
           <a:p>
             <a:pPr lvl="4"/>
             <a:r>
-              <a:rPr lang="en-US" smtClean="0"/>
+              <a:rPr lang="en-US"/>
               <a:t>Fifth level</a:t>
             </a:r>
             <a:endParaRPr lang="en-US" dirty="0"/>
@@ -3749,35 +3749,35 @@
           <a:p>
             <a:pPr lvl="0"/>
             <a:r>
-              <a:rPr lang="en-US" smtClean="0"/>
+              <a:rPr lang="en-US"/>
               <a:t>Click to edit Master text styles</a:t>
             </a:r>
           </a:p>
           <a:p>
             <a:pPr lvl="1"/>
             <a:r>
-              <a:rPr lang="en-US" smtClean="0"/>
+              <a:rPr lang="en-US"/>
               <a:t>Second level</a:t>
             </a:r>
           </a:p>
           <a:p>
             <a:pPr lvl="2"/>
             <a:r>
-              <a:rPr lang="en-US" smtClean="0"/>
+              <a:rPr lang="en-US"/>
               <a:t>Third level</a:t>
             </a:r>
           </a:p>
           <a:p>
             <a:pPr lvl="3"/>
             <a:r>
-              <a:rPr lang="en-US" smtClean="0"/>
+              <a:rPr lang="en-US"/>
               <a:t>Fourth level</a:t>
             </a:r>
           </a:p>
           <a:p>
             <a:pPr lvl="4"/>
             <a:r>
-              <a:rPr lang="en-US" smtClean="0"/>
+              <a:rPr lang="en-US"/>
               <a:t>Fifth level</a:t>
             </a:r>
             <a:endParaRPr lang="en-US" dirty="0"/>
@@ -3801,7 +3801,7 @@
           <a:p>
             <a:fld id="{2C6F032D-BA9E-9346-BD51-8BCE30FB162D}" type="datetimeFigureOut">
               <a:rPr lang="en-US" smtClean="0"/>
-              <a:t>4/19/17</a:t>
+              <a:t>4/19/2017</a:t>
             </a:fld>
             <a:endParaRPr lang="en-US"/>
           </a:p>
@@ -3894,7 +3894,7 @@
           </a:lstStyle>
           <a:p>
             <a:r>
-              <a:rPr lang="en-US" smtClean="0"/>
+              <a:rPr lang="en-US"/>
               <a:t>Click to edit Master title style</a:t>
             </a:r>
             <a:endParaRPr lang="en-US" dirty="0"/>
@@ -3968,7 +3968,7 @@
           <a:p>
             <a:pPr lvl="0"/>
             <a:r>
-              <a:rPr lang="en-US" smtClean="0"/>
+              <a:rPr lang="en-US"/>
               <a:t>Click to edit Master text styles</a:t>
             </a:r>
           </a:p>
@@ -4026,35 +4026,35 @@
           <a:p>
             <a:pPr lvl="0"/>
             <a:r>
-              <a:rPr lang="en-US" smtClean="0"/>
+              <a:rPr lang="en-US"/>
               <a:t>Click to edit Master text styles</a:t>
             </a:r>
           </a:p>
           <a:p>
             <a:pPr lvl="1"/>
             <a:r>
-              <a:rPr lang="en-US" smtClean="0"/>
+              <a:rPr lang="en-US"/>
               <a:t>Second level</a:t>
             </a:r>
           </a:p>
           <a:p>
             <a:pPr lvl="2"/>
             <a:r>
-              <a:rPr lang="en-US" smtClean="0"/>
+              <a:rPr lang="en-US"/>
               <a:t>Third level</a:t>
             </a:r>
           </a:p>
           <a:p>
             <a:pPr lvl="3"/>
             <a:r>
-              <a:rPr lang="en-US" smtClean="0"/>
+              <a:rPr lang="en-US"/>
               <a:t>Fourth level</a:t>
             </a:r>
           </a:p>
           <a:p>
             <a:pPr lvl="4"/>
             <a:r>
-              <a:rPr lang="en-US" smtClean="0"/>
+              <a:rPr lang="en-US"/>
               <a:t>Fifth level</a:t>
             </a:r>
             <a:endParaRPr lang="en-US" dirty="0"/>
@@ -4128,7 +4128,7 @@
           <a:p>
             <a:pPr lvl="0"/>
             <a:r>
-              <a:rPr lang="en-US" smtClean="0"/>
+              <a:rPr lang="en-US"/>
               <a:t>Click to edit Master text styles</a:t>
             </a:r>
           </a:p>
@@ -4186,35 +4186,35 @@
           <a:p>
             <a:pPr lvl="0"/>
             <a:r>
-              <a:rPr lang="en-US" smtClean="0"/>
+              <a:rPr lang="en-US"/>
               <a:t>Click to edit Master text styles</a:t>
             </a:r>
           </a:p>
           <a:p>
             <a:pPr lvl="1"/>
             <a:r>
-              <a:rPr lang="en-US" smtClean="0"/>
+              <a:rPr lang="en-US"/>
               <a:t>Second level</a:t>
             </a:r>
           </a:p>
           <a:p>
             <a:pPr lvl="2"/>
             <a:r>
-              <a:rPr lang="en-US" smtClean="0"/>
+              <a:rPr lang="en-US"/>
               <a:t>Third level</a:t>
             </a:r>
           </a:p>
           <a:p>
             <a:pPr lvl="3"/>
             <a:r>
-              <a:rPr lang="en-US" smtClean="0"/>
+              <a:rPr lang="en-US"/>
               <a:t>Fourth level</a:t>
             </a:r>
           </a:p>
           <a:p>
             <a:pPr lvl="4"/>
             <a:r>
-              <a:rPr lang="en-US" smtClean="0"/>
+              <a:rPr lang="en-US"/>
               <a:t>Fifth level</a:t>
             </a:r>
             <a:endParaRPr lang="en-US" dirty="0"/>
@@ -4238,7 +4238,7 @@
           <a:p>
             <a:fld id="{2C6F032D-BA9E-9346-BD51-8BCE30FB162D}" type="datetimeFigureOut">
               <a:rPr lang="en-US" smtClean="0"/>
-              <a:t>4/19/17</a:t>
+              <a:t>4/19/2017</a:t>
             </a:fld>
             <a:endParaRPr lang="en-US"/>
           </a:p>
@@ -4327,7 +4327,7 @@
           <a:lstStyle/>
           <a:p>
             <a:r>
-              <a:rPr lang="en-US" smtClean="0"/>
+              <a:rPr lang="en-US"/>
               <a:t>Click to edit Master title style</a:t>
             </a:r>
             <a:endParaRPr lang="en-US" dirty="0"/>
@@ -4351,7 +4351,7 @@
           <a:p>
             <a:fld id="{2C6F032D-BA9E-9346-BD51-8BCE30FB162D}" type="datetimeFigureOut">
               <a:rPr lang="en-US" smtClean="0"/>
-              <a:t>4/19/17</a:t>
+              <a:t>4/19/2017</a:t>
             </a:fld>
             <a:endParaRPr lang="en-US"/>
           </a:p>
@@ -4441,7 +4441,7 @@
           <a:p>
             <a:fld id="{2C6F032D-BA9E-9346-BD51-8BCE30FB162D}" type="datetimeFigureOut">
               <a:rPr lang="en-US" smtClean="0"/>
-              <a:t>4/19/17</a:t>
+              <a:t>4/19/2017</a:t>
             </a:fld>
             <a:endParaRPr lang="en-US"/>
           </a:p>
@@ -4541,7 +4541,7 @@
           </a:lstStyle>
           <a:p>
             <a:r>
-              <a:rPr lang="en-US" smtClean="0"/>
+              <a:rPr lang="en-US"/>
               <a:t>Click to edit Master title style</a:t>
             </a:r>
             <a:endParaRPr lang="en-US" dirty="0"/>
@@ -4600,35 +4600,35 @@
           <a:p>
             <a:pPr lvl="0"/>
             <a:r>
-              <a:rPr lang="en-US" smtClean="0"/>
+              <a:rPr lang="en-US"/>
               <a:t>Click to edit Master text styles</a:t>
             </a:r>
           </a:p>
           <a:p>
             <a:pPr lvl="1"/>
             <a:r>
-              <a:rPr lang="en-US" smtClean="0"/>
+              <a:rPr lang="en-US"/>
               <a:t>Second level</a:t>
             </a:r>
           </a:p>
           <a:p>
             <a:pPr lvl="2"/>
             <a:r>
-              <a:rPr lang="en-US" smtClean="0"/>
+              <a:rPr lang="en-US"/>
               <a:t>Third level</a:t>
             </a:r>
           </a:p>
           <a:p>
             <a:pPr lvl="3"/>
             <a:r>
-              <a:rPr lang="en-US" smtClean="0"/>
+              <a:rPr lang="en-US"/>
               <a:t>Fourth level</a:t>
             </a:r>
           </a:p>
           <a:p>
             <a:pPr lvl="4"/>
             <a:r>
-              <a:rPr lang="en-US" smtClean="0"/>
+              <a:rPr lang="en-US"/>
               <a:t>Fifth level</a:t>
             </a:r>
             <a:endParaRPr lang="en-US" dirty="0"/>
@@ -4696,7 +4696,7 @@
           <a:p>
             <a:pPr lvl="0"/>
             <a:r>
-              <a:rPr lang="en-US" smtClean="0"/>
+              <a:rPr lang="en-US"/>
               <a:t>Click to edit Master text styles</a:t>
             </a:r>
           </a:p>
@@ -4719,7 +4719,7 @@
           <a:p>
             <a:fld id="{2C6F032D-BA9E-9346-BD51-8BCE30FB162D}" type="datetimeFigureOut">
               <a:rPr lang="en-US" smtClean="0"/>
-              <a:t>4/19/17</a:t>
+              <a:t>4/19/2017</a:t>
             </a:fld>
             <a:endParaRPr lang="en-US"/>
           </a:p>
@@ -4819,7 +4819,7 @@
           </a:lstStyle>
           <a:p>
             <a:r>
-              <a:rPr lang="en-US" smtClean="0"/>
+              <a:rPr lang="en-US"/>
               <a:t>Click to edit Master title style</a:t>
             </a:r>
             <a:endParaRPr lang="en-US" dirty="0"/>
@@ -4914,7 +4914,7 @@
           </a:lstStyle>
           <a:p>
             <a:r>
-              <a:rPr lang="en-US" smtClean="0"/>
+              <a:rPr lang="en-US"/>
               <a:t>Drag picture to placeholder or click icon to add</a:t>
             </a:r>
             <a:endParaRPr lang="en-US" dirty="0"/>
@@ -4982,7 +4982,7 @@
           <a:p>
             <a:pPr lvl="0"/>
             <a:r>
-              <a:rPr lang="en-US" smtClean="0"/>
+              <a:rPr lang="en-US"/>
               <a:t>Click to edit Master text styles</a:t>
             </a:r>
           </a:p>
@@ -5005,7 +5005,7 @@
           <a:p>
             <a:fld id="{2C6F032D-BA9E-9346-BD51-8BCE30FB162D}" type="datetimeFigureOut">
               <a:rPr lang="en-US" smtClean="0"/>
-              <a:t>4/19/17</a:t>
+              <a:t>4/19/2017</a:t>
             </a:fld>
             <a:endParaRPr lang="en-US"/>
           </a:p>
@@ -5426,7 +5426,7 @@
           <a:lstStyle/>
           <a:p>
             <a:r>
-              <a:rPr lang="en-US" smtClean="0"/>
+              <a:rPr lang="en-US"/>
               <a:t>Click to edit Master title style</a:t>
             </a:r>
             <a:endParaRPr lang="en-US" dirty="0"/>
@@ -5460,35 +5460,35 @@
           <a:p>
             <a:pPr lvl="0"/>
             <a:r>
-              <a:rPr lang="en-US" smtClean="0"/>
+              <a:rPr lang="en-US"/>
               <a:t>Click to edit Master text styles</a:t>
             </a:r>
           </a:p>
           <a:p>
             <a:pPr lvl="1"/>
             <a:r>
-              <a:rPr lang="en-US" smtClean="0"/>
+              <a:rPr lang="en-US"/>
               <a:t>Second level</a:t>
             </a:r>
           </a:p>
           <a:p>
             <a:pPr lvl="2"/>
             <a:r>
-              <a:rPr lang="en-US" smtClean="0"/>
+              <a:rPr lang="en-US"/>
               <a:t>Third level</a:t>
             </a:r>
           </a:p>
           <a:p>
             <a:pPr lvl="3"/>
             <a:r>
-              <a:rPr lang="en-US" smtClean="0"/>
+              <a:rPr lang="en-US"/>
               <a:t>Fourth level</a:t>
             </a:r>
           </a:p>
           <a:p>
             <a:pPr lvl="4"/>
             <a:r>
-              <a:rPr lang="en-US" smtClean="0"/>
+              <a:rPr lang="en-US"/>
               <a:t>Fifth level</a:t>
             </a:r>
             <a:endParaRPr lang="en-US" dirty="0"/>
@@ -5530,7 +5530,7 @@
           <a:p>
             <a:fld id="{2C6F032D-BA9E-9346-BD51-8BCE30FB162D}" type="datetimeFigureOut">
               <a:rPr lang="en-US" smtClean="0"/>
-              <a:t>4/19/17</a:t>
+              <a:t>4/19/2017</a:t>
             </a:fld>
             <a:endParaRPr lang="en-US"/>
           </a:p>
@@ -6079,10 +6079,9 @@
           <a:lstStyle/>
           <a:p>
             <a:r>
-              <a:rPr lang="en-US" dirty="0" smtClean="0"/>
+              <a:rPr lang="en-US" dirty="0"/>
               <a:t>Network Anomaly Detection using MapReduce</a:t>
             </a:r>
-            <a:endParaRPr lang="en-US" dirty="0"/>
           </a:p>
         </p:txBody>
       </p:sp>
@@ -6104,12 +6103,12 @@
           <a:lstStyle/>
           <a:p>
             <a:r>
-              <a:rPr lang="en-US" dirty="0" smtClean="0"/>
+              <a:rPr lang="en-US" dirty="0"/>
               <a:t>-</a:t>
             </a:r>
           </a:p>
           <a:p>
-            <a:endParaRPr lang="en-US" dirty="0" smtClean="0"/>
+            <a:endParaRPr lang="en-US" dirty="0"/>
           </a:p>
           <a:p>
             <a:r>
@@ -6119,26 +6118,25 @@
           </a:p>
           <a:p>
             <a:r>
-              <a:rPr lang="en-US" dirty="0" smtClean="0"/>
+              <a:rPr lang="en-US" dirty="0"/>
               <a:t>	</a:t>
             </a:r>
             <a:r>
-              <a:rPr lang="en-US" dirty="0" err="1" smtClean="0"/>
+              <a:rPr lang="en-US" dirty="0" err="1"/>
               <a:t>Mehal</a:t>
             </a:r>
             <a:r>
-              <a:rPr lang="en-US" dirty="0" smtClean="0"/>
+              <a:rPr lang="en-US" dirty="0"/>
               <a:t> </a:t>
             </a:r>
             <a:r>
-              <a:rPr lang="en-US" dirty="0" err="1" smtClean="0"/>
+              <a:rPr lang="en-US" dirty="0" err="1"/>
               <a:t>Chaudhari</a:t>
             </a:r>
             <a:r>
-              <a:rPr lang="en-US" dirty="0" smtClean="0"/>
+              <a:rPr lang="en-US" dirty="0"/>
               <a:t>, Nagaprasad Natarajaurs, Suruchi Singh</a:t>
             </a:r>
-            <a:endParaRPr lang="en-US" dirty="0"/>
           </a:p>
         </p:txBody>
       </p:sp>
@@ -6188,10 +6186,9 @@
           <a:lstStyle/>
           <a:p>
             <a:r>
-              <a:rPr lang="en-US" dirty="0" smtClean="0"/>
+              <a:rPr lang="en-US" dirty="0"/>
               <a:t>Work in progress</a:t>
             </a:r>
-            <a:endParaRPr lang="en-US" dirty="0"/>
           </a:p>
         </p:txBody>
       </p:sp>
@@ -6212,11 +6209,7 @@
           <a:p>
             <a:r>
               <a:rPr lang="en-US" dirty="0"/>
-              <a:t>Simulations/ Proposed </a:t>
-            </a:r>
-            <a:r>
-              <a:rPr lang="en-US" dirty="0" smtClean="0"/>
-              <a:t>methods</a:t>
+              <a:t>Simulations/ Proposed methods</a:t>
             </a:r>
           </a:p>
           <a:p>
@@ -6224,7 +6217,6 @@
               <a:rPr lang="en-US" dirty="0"/>
               <a:t>Analysis for the results</a:t>
             </a:r>
-            <a:endParaRPr lang="en-US" dirty="0"/>
           </a:p>
         </p:txBody>
       </p:sp>
@@ -6274,10 +6266,9 @@
           <a:lstStyle/>
           <a:p>
             <a:r>
-              <a:rPr lang="en-US" dirty="0" smtClean="0"/>
+              <a:rPr lang="en-US" dirty="0"/>
               <a:t>Motivations</a:t>
             </a:r>
-            <a:endParaRPr lang="en-US" dirty="0"/>
           </a:p>
         </p:txBody>
       </p:sp>
@@ -6308,16 +6299,12 @@
               <a:buNone/>
             </a:pPr>
             <a:r>
-              <a:rPr lang="is-IS" dirty="0" smtClean="0"/>
+              <a:rPr lang="is-IS" dirty="0"/>
               <a:t>There are several </a:t>
             </a:r>
             <a:r>
               <a:rPr lang="en-US" dirty="0"/>
-              <a:t>n</a:t>
-            </a:r>
-            <a:r>
-              <a:rPr lang="en-US" dirty="0" smtClean="0"/>
-              <a:t>etwork anomaly detection tools that detect the anomalies  by observing inconsistent data from a given set of data.</a:t>
+              <a:t>network anomaly detection tools that detect the anomalies  by observing inconsistent data from a given set of data.</a:t>
             </a:r>
           </a:p>
           <a:p>
@@ -6331,7 +6318,7 @@
               <a:buNone/>
             </a:pPr>
             <a:r>
-              <a:rPr lang="en-US" dirty="0" smtClean="0"/>
+              <a:rPr lang="en-US" dirty="0"/>
               <a:t>Since, the network has a large amount of data to be processed, we decided to use MapReduce to detect anomalies in the network.</a:t>
             </a:r>
           </a:p>
@@ -6366,7 +6353,7 @@
               <a:defRPr/>
             </a:pPr>
             <a:r>
-              <a:rPr lang="en-US" dirty="0" smtClean="0"/>
+              <a:rPr lang="en-US" dirty="0"/>
               <a:t>MapReduce is a distributed programming model which can handle massive data concurrently in a large computer cluster. This makes it efficient to detect an anomaly in the network in real time. </a:t>
             </a:r>
           </a:p>
@@ -6388,7 +6375,7 @@
               <a:tabLst/>
               <a:defRPr/>
             </a:pPr>
-            <a:endParaRPr lang="en-US" dirty="0" smtClean="0"/>
+            <a:endParaRPr lang="en-US" dirty="0"/>
           </a:p>
           <a:p>
             <a:pPr marL="0" marR="0" lvl="0" indent="0" defTabSz="914400" eaLnBrk="1" fontAlgn="auto" latinLnBrk="0" hangingPunct="1">
@@ -6408,7 +6395,7 @@
               <a:tabLst/>
               <a:defRPr/>
             </a:pPr>
-            <a:endParaRPr lang="en-US" dirty="0" smtClean="0"/>
+            <a:endParaRPr lang="en-US" dirty="0"/>
           </a:p>
           <a:p>
             <a:pPr marL="0" marR="0" lvl="0" indent="0" defTabSz="914400" eaLnBrk="1" fontAlgn="auto" latinLnBrk="0" hangingPunct="1">
@@ -6428,7 +6415,7 @@
               <a:tabLst/>
               <a:defRPr/>
             </a:pPr>
-            <a:endParaRPr lang="en-US" dirty="0" smtClean="0"/>
+            <a:endParaRPr lang="en-US" dirty="0"/>
           </a:p>
           <a:p>
             <a:pPr marL="0" marR="0" lvl="0" indent="0" defTabSz="914400" eaLnBrk="1" fontAlgn="auto" latinLnBrk="0" hangingPunct="1">
@@ -6523,10 +6510,9 @@
           <a:lstStyle/>
           <a:p>
             <a:r>
-              <a:rPr lang="en-US" dirty="0" smtClean="0"/>
+              <a:rPr lang="en-US" dirty="0"/>
               <a:t>Related works and Novelty</a:t>
             </a:r>
-            <a:endParaRPr lang="en-US" dirty="0"/>
           </a:p>
         </p:txBody>
       </p:sp>
@@ -6680,33 +6666,33 @@
           <a:lstStyle/>
           <a:p>
             <a:r>
-              <a:rPr lang="en-US" dirty="0" smtClean="0"/>
+              <a:rPr lang="en-US" dirty="0"/>
               <a:t>We have a data set which contains details about each event which occurred in the network. Event details include user, event description, timestamp, location, IP address &amp; device. </a:t>
             </a:r>
           </a:p>
           <a:p>
             <a:r>
-              <a:rPr lang="en-US" dirty="0" smtClean="0"/>
+              <a:rPr lang="en-US" dirty="0"/>
               <a:t>Each anomaly is assigned a factor based on how much deviation it causes from the normal operation of the network.	</a:t>
             </a:r>
           </a:p>
           <a:p>
             <a:r>
-              <a:rPr lang="en-US" dirty="0" smtClean="0"/>
+              <a:rPr lang="en-US" dirty="0"/>
               <a:t>Anomalies in this case can be: </a:t>
             </a:r>
           </a:p>
           <a:p>
             <a:pPr lvl="1"/>
             <a:r>
-              <a:rPr lang="en-US" dirty="0" smtClean="0"/>
+              <a:rPr lang="en-US" dirty="0"/>
               <a:t>The event is arising from a VPN or a proxy.</a:t>
             </a:r>
           </a:p>
           <a:p>
             <a:pPr lvl="1"/>
             <a:r>
-              <a:rPr lang="en-US" dirty="0" smtClean="0"/>
+              <a:rPr lang="en-US" dirty="0"/>
               <a:t>The geo-location determined using the IP address is different from the location of the device.</a:t>
             </a:r>
           </a:p>
@@ -6731,10 +6717,9 @@
           <a:lstStyle/>
           <a:p>
             <a:r>
-              <a:rPr lang="en-US" dirty="0" smtClean="0"/>
+              <a:rPr lang="en-US" dirty="0"/>
               <a:t>Problem Description</a:t>
             </a:r>
-            <a:endParaRPr lang="en-US" dirty="0"/>
           </a:p>
         </p:txBody>
       </p:sp>
@@ -6784,10 +6769,9 @@
           <a:lstStyle/>
           <a:p>
             <a:r>
-              <a:rPr lang="en-US" dirty="0" smtClean="0"/>
+              <a:rPr lang="en-US" dirty="0"/>
               <a:t>Problem Description</a:t>
             </a:r>
-            <a:endParaRPr lang="en-US" dirty="0"/>
           </a:p>
         </p:txBody>
       </p:sp>
@@ -6822,37 +6806,28 @@
           <a:p>
             <a:pPr lvl="1"/>
             <a:r>
-              <a:rPr lang="mr-IN" dirty="0" smtClean="0"/>
+              <a:rPr lang="mr-IN" dirty="0"/>
               <a:t>…</a:t>
             </a:r>
-            <a:endParaRPr lang="en-US" dirty="0" smtClean="0"/>
-          </a:p>
-          <a:p>
-            <a:r>
-              <a:rPr lang="en-US" dirty="0" smtClean="0"/>
-              <a:t>The event’s </a:t>
-            </a:r>
+            <a:endParaRPr lang="en-US" dirty="0"/>
+          </a:p>
+          <a:p>
             <a:r>
               <a:rPr lang="en-US" dirty="0"/>
-              <a:t>anomaly is calculated using each anomaly’s factor which is present in the event</a:t>
-            </a:r>
-            <a:r>
-              <a:rPr lang="en-US" dirty="0" smtClean="0"/>
-              <a:t>.</a:t>
-            </a:r>
-          </a:p>
-          <a:p>
-            <a:r>
-              <a:rPr lang="en-US" dirty="0" smtClean="0"/>
+              <a:t>The event’s anomaly is calculated using each anomaly’s factor which is present in the event.</a:t>
+            </a:r>
+          </a:p>
+          <a:p>
+            <a:r>
+              <a:rPr lang="en-US" dirty="0"/>
               <a:t>If the events anomaly is greater than the threshold set by the administrator of the network, the event is red flagged.</a:t>
             </a:r>
           </a:p>
           <a:p>
             <a:r>
-              <a:rPr lang="en-US" dirty="0" smtClean="0"/>
+              <a:rPr lang="en-US" dirty="0"/>
               <a:t>The threshold varies based on the security levels required by the administrator. </a:t>
             </a:r>
-            <a:endParaRPr lang="en-US" dirty="0"/>
           </a:p>
           <a:p>
             <a:endParaRPr lang="en-US" dirty="0"/>
@@ -6905,10 +6880,9 @@
           <a:lstStyle/>
           <a:p>
             <a:r>
-              <a:rPr lang="en-US" dirty="0" smtClean="0"/>
+              <a:rPr lang="en-US" dirty="0"/>
               <a:t>Design/ Proposed methods</a:t>
             </a:r>
-            <a:endParaRPr lang="en-US" dirty="0"/>
           </a:p>
         </p:txBody>
       </p:sp>
@@ -6928,32 +6902,31 @@
           <a:lstStyle/>
           <a:p>
             <a:r>
-              <a:rPr lang="en-US" dirty="0" smtClean="0"/>
+              <a:rPr lang="en-US" dirty="0"/>
               <a:t>Detect whether the event has location spoofed</a:t>
             </a:r>
           </a:p>
           <a:p>
             <a:r>
-              <a:rPr lang="en-US" dirty="0" smtClean="0"/>
+              <a:rPr lang="en-US" dirty="0"/>
               <a:t>Map related events to each event</a:t>
             </a:r>
-            <a:endParaRPr lang="en-US" dirty="0"/>
-          </a:p>
-          <a:p>
-            <a:r>
-              <a:rPr lang="en-US" dirty="0" smtClean="0"/>
+          </a:p>
+          <a:p>
+            <a:r>
+              <a:rPr lang="en-US" dirty="0"/>
               <a:t>Using related events, build a user profile</a:t>
             </a:r>
           </a:p>
           <a:p>
             <a:r>
-              <a:rPr lang="en-US" dirty="0" smtClean="0"/>
+              <a:rPr lang="en-US" dirty="0"/>
               <a:t>Determine event’s anomaly based on how much it deviates from the user’s profile</a:t>
             </a:r>
           </a:p>
           <a:p>
             <a:r>
-              <a:rPr lang="en-US" dirty="0" smtClean="0"/>
+              <a:rPr lang="en-US" dirty="0"/>
               <a:t>Finally red flag it if its greater than the set anomaly threshold</a:t>
             </a:r>
           </a:p>
@@ -7005,10 +6978,9 @@
           <a:lstStyle/>
           <a:p>
             <a:r>
-              <a:rPr lang="en-US" dirty="0" smtClean="0"/>
+              <a:rPr lang="en-US" dirty="0"/>
               <a:t>Detect location spoofing</a:t>
             </a:r>
-            <a:endParaRPr lang="en-US" dirty="0"/>
           </a:p>
         </p:txBody>
       </p:sp>
@@ -7030,19 +7002,19 @@
           <a:lstStyle/>
           <a:p>
             <a:r>
-              <a:rPr lang="en-US" dirty="0" smtClean="0"/>
+              <a:rPr lang="en-US" dirty="0"/>
               <a:t>In Mapper stage, map every event using IP as the key</a:t>
             </a:r>
           </a:p>
           <a:p>
             <a:r>
-              <a:rPr lang="en-US" dirty="0" smtClean="0"/>
+              <a:rPr lang="en-US" dirty="0"/>
               <a:t>In Reducer stage, flag or not flag every event for location spoofing</a:t>
             </a:r>
           </a:p>
           <a:p>
             <a:r>
-              <a:rPr lang="en-US" dirty="0" smtClean="0"/>
+              <a:rPr lang="en-US" dirty="0"/>
               <a:t>Location spoofed if</a:t>
             </a:r>
           </a:p>
@@ -7050,41 +7022,21 @@
             <a:pPr lvl="1"/>
             <a:r>
               <a:rPr lang="en-US" dirty="0"/>
-              <a:t>T</a:t>
-            </a:r>
-            <a:r>
-              <a:rPr lang="en-US" dirty="0" smtClean="0"/>
-              <a:t>he users are greater than average household count for any given IP</a:t>
+              <a:t>The users are greater than average household count for any given IP</a:t>
             </a:r>
           </a:p>
           <a:p>
             <a:pPr lvl="1"/>
             <a:r>
               <a:rPr lang="en-US" dirty="0"/>
-              <a:t>T</a:t>
-            </a:r>
-            <a:r>
-              <a:rPr lang="en-US" dirty="0" smtClean="0"/>
-              <a:t>he </a:t>
-            </a:r>
+              <a:t>The IP location’s is different from the determined coarse</a:t>
+            </a:r>
+          </a:p>
+          <a:p>
+            <a:pPr lvl="2"/>
             <a:r>
               <a:rPr lang="en-US" dirty="0"/>
-              <a:t>IP location’s is different from the determined </a:t>
-            </a:r>
-            <a:r>
-              <a:rPr lang="en-US" dirty="0" smtClean="0"/>
-              <a:t>coarse</a:t>
-            </a:r>
-          </a:p>
-          <a:p>
-            <a:pPr lvl="2"/>
-            <a:r>
-              <a:rPr lang="en-US" dirty="0"/>
-              <a:t>C</a:t>
-            </a:r>
-            <a:r>
-              <a:rPr lang="en-US" dirty="0" smtClean="0"/>
-              <a:t>oarse location  for the given IP is determined based on the locations of all events</a:t>
+              <a:t>Coarse location  for the given IP is determined based on the locations of all events</a:t>
             </a:r>
           </a:p>
           <a:p>
@@ -7132,65 +7084,98 @@
             <p:ph type="title"/>
           </p:nvPr>
         </p:nvSpPr>
-        <p:spPr/>
+        <p:spPr>
+          <a:xfrm>
+            <a:off x="1510748" y="742122"/>
+            <a:ext cx="9992276" cy="1696277"/>
+          </a:xfrm>
+        </p:spPr>
         <p:txBody>
           <a:bodyPr/>
           <a:lstStyle/>
           <a:p>
             <a:r>
-              <a:rPr lang="en-US" dirty="0" smtClean="0"/>
+              <a:rPr lang="en-US" dirty="0"/>
               <a:t>User profiling and anomaly detection</a:t>
             </a:r>
+          </a:p>
+        </p:txBody>
+      </p:sp>
+      <p:sp>
+        <p:nvSpPr>
+          <p:cNvPr id="3" name="Content Placeholder 2"/>
+          <p:cNvSpPr>
+            <a:spLocks noGrp="1"/>
+          </p:cNvSpPr>
+          <p:nvPr>
+            <p:ph idx="1"/>
+          </p:nvPr>
+        </p:nvSpPr>
+        <p:spPr>
+          <a:xfrm>
+            <a:off x="1471058" y="2666999"/>
+            <a:ext cx="10018713" cy="3124201"/>
+          </a:xfrm>
+        </p:spPr>
+        <p:txBody>
+          <a:bodyPr/>
+          <a:lstStyle/>
+          <a:p>
+            <a:r>
+              <a:rPr lang="en-US" dirty="0"/>
+              <a:t>For every event, map all the previous events which belong to that user</a:t>
+            </a:r>
+          </a:p>
+          <a:p>
             <a:endParaRPr lang="en-US" dirty="0"/>
           </a:p>
-        </p:txBody>
-      </p:sp>
-      <p:sp>
-        <p:nvSpPr>
-          <p:cNvPr id="3" name="Content Placeholder 2"/>
-          <p:cNvSpPr>
-            <a:spLocks noGrp="1"/>
-          </p:cNvSpPr>
-          <p:nvPr>
-            <p:ph idx="1"/>
-          </p:nvPr>
-        </p:nvSpPr>
-        <p:spPr/>
-        <p:txBody>
-          <a:bodyPr/>
-          <a:lstStyle/>
-          <a:p>
-            <a:r>
-              <a:rPr lang="en-US" dirty="0" smtClean="0"/>
-              <a:t>For every event, map all the previous events which belong to that user</a:t>
-            </a:r>
-          </a:p>
           <a:p>
             <a:endParaRPr lang="en-US" dirty="0"/>
           </a:p>
           <a:p>
-            <a:endParaRPr lang="en-US" dirty="0" smtClean="0"/>
-          </a:p>
-          <a:p>
             <a:endParaRPr lang="en-US" dirty="0"/>
           </a:p>
           <a:p>
-            <a:endParaRPr lang="en-US" dirty="0" smtClean="0"/>
-          </a:p>
-          <a:p>
             <a:endParaRPr lang="en-US" dirty="0"/>
           </a:p>
           <a:p>
-            <a:endParaRPr lang="en-US" dirty="0" smtClean="0"/>
-          </a:p>
-          <a:p>
             <a:endParaRPr lang="en-US" dirty="0"/>
           </a:p>
           <a:p>
             <a:endParaRPr lang="en-US" dirty="0"/>
           </a:p>
-        </p:txBody>
-      </p:sp>
+          <a:p>
+            <a:endParaRPr lang="en-US" dirty="0"/>
+          </a:p>
+          <a:p>
+            <a:endParaRPr lang="en-US" dirty="0"/>
+          </a:p>
+        </p:txBody>
+      </p:sp>
+      <p:pic>
+        <p:nvPicPr>
+          <p:cNvPr id="5" name="Picture 4"/>
+          <p:cNvPicPr>
+            <a:picLocks noChangeAspect="1"/>
+          </p:cNvPicPr>
+          <p:nvPr/>
+        </p:nvPicPr>
+        <p:blipFill>
+          <a:blip r:embed="rId2"/>
+          <a:stretch>
+            <a:fillRect/>
+          </a:stretch>
+        </p:blipFill>
+        <p:spPr>
+          <a:xfrm>
+            <a:off x="2501525" y="2438399"/>
+            <a:ext cx="8245988" cy="4173479"/>
+          </a:xfrm>
+          <a:prstGeom prst="rect">
+            <a:avLst/>
+          </a:prstGeom>
+        </p:spPr>
+      </p:pic>
     </p:spTree>
     <p:extLst>
       <p:ext uri="{BB962C8B-B14F-4D97-AF65-F5344CB8AC3E}">
@@ -7261,51 +7246,42 @@
           <a:lstStyle/>
           <a:p>
             <a:r>
-              <a:rPr lang="en-US" dirty="0" smtClean="0"/>
+              <a:rPr lang="en-US" dirty="0"/>
               <a:t>Determine all the defined anomalies present in the event</a:t>
             </a:r>
           </a:p>
           <a:p>
             <a:r>
-              <a:rPr lang="en-US" dirty="0" smtClean="0"/>
+              <a:rPr lang="en-US" dirty="0"/>
               <a:t>Calculate the total anomaly factor for the event</a:t>
             </a:r>
           </a:p>
           <a:p>
             <a:pPr lvl="1"/>
             <a:r>
-              <a:rPr lang="en-US" dirty="0" smtClean="0"/>
+              <a:rPr lang="en-US" dirty="0"/>
               <a:t>Ex: If location spoofing is detected for the event, then anomaly factor is 0.35</a:t>
             </a:r>
           </a:p>
           <a:p>
             <a:pPr lvl="1"/>
             <a:r>
-              <a:rPr lang="en-US" dirty="0" smtClean="0"/>
+              <a:rPr lang="en-US" dirty="0"/>
               <a:t>If user had authentication failure as prior event, then anomaly factor is 0.40</a:t>
             </a:r>
           </a:p>
           <a:p>
             <a:pPr lvl="1"/>
             <a:r>
-              <a:rPr lang="en-US" dirty="0" smtClean="0"/>
-              <a:t>If even has both (location spoofing &amp; </a:t>
-            </a:r>
-            <a:r>
               <a:rPr lang="en-US" dirty="0"/>
-              <a:t>authentication </a:t>
-            </a:r>
-            <a:r>
-              <a:rPr lang="en-US" dirty="0" smtClean="0"/>
-              <a:t>failure), then anomaly factory is 0.75</a:t>
-            </a:r>
-          </a:p>
-          <a:p>
-            <a:r>
-              <a:rPr lang="en-US" dirty="0" smtClean="0"/>
+              <a:t>If even has both (location spoofing &amp; authentication failure), then anomaly factory is 0.75</a:t>
+            </a:r>
+          </a:p>
+          <a:p>
+            <a:r>
+              <a:rPr lang="en-US" dirty="0"/>
               <a:t>If calculated anomaly factor is greater than the threshold, flag the event for administrator’s review</a:t>
             </a:r>
-            <a:endParaRPr lang="en-US" dirty="0"/>
           </a:p>
         </p:txBody>
       </p:sp>

--- a/docs/Network Anamoly Detection.pptx
+++ b/docs/Network Anamoly Detection.pptx
@@ -6119,23 +6119,7 @@
           <a:p>
             <a:r>
               <a:rPr lang="en-US" dirty="0"/>
-              <a:t>	</a:t>
-            </a:r>
-            <a:r>
-              <a:rPr lang="en-US" dirty="0" err="1"/>
-              <a:t>Mehal</a:t>
-            </a:r>
-            <a:r>
-              <a:rPr lang="en-US" dirty="0"/>
-              <a:t> </a:t>
-            </a:r>
-            <a:r>
-              <a:rPr lang="en-US" dirty="0" err="1"/>
-              <a:t>Chaudhari</a:t>
-            </a:r>
-            <a:r>
-              <a:rPr lang="en-US" dirty="0"/>
-              <a:t>, Nagaprasad Natarajaurs, Suruchi Singh</a:t>
+              <a:t>	Mehal Chaudhari, Nagaprasad Natarajaurs, Suruchi Singh</a:t>
             </a:r>
           </a:p>
         </p:txBody>
@@ -6202,7 +6186,12 @@
             <p:ph idx="1"/>
           </p:nvPr>
         </p:nvSpPr>
-        <p:spPr/>
+        <p:spPr>
+          <a:xfrm>
+            <a:off x="1484310" y="2666999"/>
+            <a:ext cx="10018713" cy="3124201"/>
+          </a:xfrm>
+        </p:spPr>
         <p:txBody>
           <a:bodyPr/>
           <a:lstStyle/>
@@ -6217,6 +6206,24 @@
               <a:rPr lang="en-US" dirty="0"/>
               <a:t>Analysis for the results</a:t>
             </a:r>
+          </a:p>
+          <a:p>
+            <a:endParaRPr lang="en-US" dirty="0"/>
+          </a:p>
+          <a:p>
+            <a:endParaRPr lang="en-US" dirty="0"/>
+          </a:p>
+          <a:p>
+            <a:endParaRPr lang="en-US" dirty="0"/>
+          </a:p>
+          <a:p>
+            <a:endParaRPr lang="en-US" dirty="0"/>
+          </a:p>
+          <a:p>
+            <a:endParaRPr lang="en-US" dirty="0"/>
+          </a:p>
+          <a:p>
+            <a:endParaRPr lang="en-US" dirty="0"/>
           </a:p>
         </p:txBody>
       </p:sp>
@@ -6260,9 +6267,16 @@
             <p:ph type="title"/>
           </p:nvPr>
         </p:nvSpPr>
-        <p:spPr/>
-        <p:txBody>
-          <a:bodyPr/>
+        <p:spPr>
+          <a:xfrm>
+            <a:off x="1484311" y="304800"/>
+            <a:ext cx="10018713" cy="689113"/>
+          </a:xfrm>
+        </p:spPr>
+        <p:txBody>
+          <a:bodyPr>
+            <a:normAutofit fontScale="90000"/>
+          </a:bodyPr>
           <a:lstStyle/>
           <a:p>
             <a:r>
@@ -6282,14 +6296,19 @@
             <p:ph idx="1"/>
           </p:nvPr>
         </p:nvSpPr>
-        <p:spPr/>
+        <p:spPr>
+          <a:xfrm>
+            <a:off x="1537252" y="1537252"/>
+            <a:ext cx="9713980" cy="4225787"/>
+          </a:xfrm>
+        </p:spPr>
         <p:txBody>
           <a:bodyPr>
-            <a:normAutofit lnSpcReduction="10000"/>
+            <a:noAutofit/>
           </a:bodyPr>
           <a:lstStyle/>
           <a:p>
-            <a:pPr marL="0" lvl="0" indent="0">
+            <a:pPr marL="0" lvl="0" indent="0" algn="just">
               <a:lnSpc>
                 <a:spcPct val="100000"/>
               </a:lnSpc>
@@ -6298,17 +6317,10 @@
               </a:spcBef>
               <a:buNone/>
             </a:pPr>
-            <a:r>
-              <a:rPr lang="is-IS" dirty="0"/>
-              <a:t>There are several </a:t>
-            </a:r>
-            <a:r>
-              <a:rPr lang="en-US" dirty="0"/>
-              <a:t>network anomaly detection tools that detect the anomalies  by observing inconsistent data from a given set of data.</a:t>
-            </a:r>
-          </a:p>
-          <a:p>
-            <a:pPr marL="0" lvl="0" indent="0">
+            <a:endParaRPr lang="is-IS" dirty="0"/>
+          </a:p>
+          <a:p>
+            <a:pPr marL="0" lvl="0" indent="0" algn="just">
               <a:lnSpc>
                 <a:spcPct val="100000"/>
               </a:lnSpc>
@@ -6317,13 +6329,10 @@
               </a:spcBef>
               <a:buNone/>
             </a:pPr>
-            <a:r>
-              <a:rPr lang="en-US" dirty="0"/>
-              <a:t>Since, the network has a large amount of data to be processed, we decided to use MapReduce to detect anomalies in the network.</a:t>
-            </a:r>
-          </a:p>
-          <a:p>
-            <a:pPr marL="0" lvl="0" indent="0">
+            <a:endParaRPr lang="is-IS" dirty="0"/>
+          </a:p>
+          <a:p>
+            <a:pPr marL="0" lvl="0" indent="0" algn="just">
               <a:lnSpc>
                 <a:spcPct val="100000"/>
               </a:lnSpc>
@@ -6332,10 +6341,48 @@
               </a:spcBef>
               <a:buNone/>
             </a:pPr>
+            <a:endParaRPr lang="is-IS" dirty="0"/>
+          </a:p>
+          <a:p>
+            <a:pPr marL="0" lvl="0" indent="0" algn="just">
+              <a:lnSpc>
+                <a:spcPct val="100000"/>
+              </a:lnSpc>
+              <a:spcBef>
+                <a:spcPts val="0"/>
+              </a:spcBef>
+              <a:buNone/>
+            </a:pPr>
+            <a:endParaRPr lang="is-IS" dirty="0"/>
+          </a:p>
+          <a:p>
+            <a:pPr algn="just"/>
+            <a:endParaRPr lang="en-IN" dirty="0"/>
+          </a:p>
+          <a:p>
+            <a:pPr algn="just"/>
+            <a:endParaRPr lang="en-IN" dirty="0"/>
+          </a:p>
+          <a:p>
+            <a:pPr algn="just"/>
+            <a:r>
+              <a:rPr lang="en-IN" dirty="0"/>
+              <a:t>At present, many anomaly detection models are proposed by researchers such as Blacklisting matching, statistics rules  and machine learning and several tools. Machine learning has the best performance of all these methods, however with the huge increase of traffic data, the efficiency of machine learning is also a bottleneck because of its complex calculation.</a:t>
+            </a:r>
+          </a:p>
+          <a:p>
+            <a:pPr algn="just"/>
+            <a:r>
+              <a:rPr lang="en-US" dirty="0"/>
+              <a:t>MapReduce is a distributed programming model which can handle massive data concurrently in a large computer cluster. This makes it efficient to detect an anomaly in the network in real time. Since, the network has a large amount of data to be processed, we decided to use MapReduce to detect anomalies observing inconsistent data from a given set of data.</a:t>
+            </a:r>
+          </a:p>
+          <a:p>
+            <a:pPr algn="just"/>
             <a:endParaRPr lang="en-US" dirty="0"/>
           </a:p>
           <a:p>
-            <a:pPr marL="0" marR="0" lvl="0" indent="0" defTabSz="914400" eaLnBrk="1" fontAlgn="auto" latinLnBrk="0" hangingPunct="1">
+            <a:pPr marL="0" marR="0" lvl="0" indent="0" algn="just" defTabSz="914400" eaLnBrk="1" fontAlgn="auto" latinLnBrk="0" hangingPunct="1">
               <a:lnSpc>
                 <a:spcPct val="100000"/>
               </a:lnSpc>
@@ -6352,13 +6399,10 @@
               <a:tabLst/>
               <a:defRPr/>
             </a:pPr>
-            <a:r>
-              <a:rPr lang="en-US" dirty="0"/>
-              <a:t>MapReduce is a distributed programming model which can handle massive data concurrently in a large computer cluster. This makes it efficient to detect an anomaly in the network in real time. </a:t>
-            </a:r>
-          </a:p>
-          <a:p>
-            <a:pPr marL="0" marR="0" lvl="0" indent="0" defTabSz="914400" eaLnBrk="1" fontAlgn="auto" latinLnBrk="0" hangingPunct="1">
+            <a:endParaRPr lang="en-US" dirty="0"/>
+          </a:p>
+          <a:p>
+            <a:pPr marL="0" marR="0" lvl="0" indent="0" algn="just" defTabSz="914400" eaLnBrk="1" fontAlgn="auto" latinLnBrk="0" hangingPunct="1">
               <a:lnSpc>
                 <a:spcPct val="100000"/>
               </a:lnSpc>
@@ -6378,7 +6422,7 @@
             <a:endParaRPr lang="en-US" dirty="0"/>
           </a:p>
           <a:p>
-            <a:pPr marL="0" marR="0" lvl="0" indent="0" defTabSz="914400" eaLnBrk="1" fontAlgn="auto" latinLnBrk="0" hangingPunct="1">
+            <a:pPr marL="0" marR="0" lvl="0" indent="0" algn="just" defTabSz="914400" eaLnBrk="1" fontAlgn="auto" latinLnBrk="0" hangingPunct="1">
               <a:lnSpc>
                 <a:spcPct val="100000"/>
               </a:lnSpc>
@@ -6398,7 +6442,7 @@
             <a:endParaRPr lang="en-US" dirty="0"/>
           </a:p>
           <a:p>
-            <a:pPr marL="0" marR="0" lvl="0" indent="0" defTabSz="914400" eaLnBrk="1" fontAlgn="auto" latinLnBrk="0" hangingPunct="1">
+            <a:pPr marL="0" marR="0" lvl="0" indent="0" algn="just" defTabSz="914400" eaLnBrk="1" fontAlgn="auto" latinLnBrk="0" hangingPunct="1">
               <a:lnSpc>
                 <a:spcPct val="100000"/>
               </a:lnSpc>
@@ -6418,7 +6462,7 @@
             <a:endParaRPr lang="en-US" dirty="0"/>
           </a:p>
           <a:p>
-            <a:pPr marL="0" marR="0" lvl="0" indent="0" defTabSz="914400" eaLnBrk="1" fontAlgn="auto" latinLnBrk="0" hangingPunct="1">
+            <a:pPr marL="0" marR="0" lvl="0" indent="0" algn="just" defTabSz="914400" eaLnBrk="1" fontAlgn="auto" latinLnBrk="0" hangingPunct="1">
               <a:lnSpc>
                 <a:spcPct val="100000"/>
               </a:lnSpc>
@@ -6438,7 +6482,7 @@
             <a:endParaRPr lang="en-US" dirty="0"/>
           </a:p>
           <a:p>
-            <a:pPr marL="0" marR="0" lvl="0" indent="0" defTabSz="914400" eaLnBrk="1" fontAlgn="auto" latinLnBrk="0" hangingPunct="1">
+            <a:pPr marL="0" marR="0" lvl="0" indent="0" algn="just" defTabSz="914400" eaLnBrk="1" fontAlgn="auto" latinLnBrk="0" hangingPunct="1">
               <a:lnSpc>
                 <a:spcPct val="100000"/>
               </a:lnSpc>
@@ -6511,7 +6555,7 @@
           <a:p>
             <a:r>
               <a:rPr lang="en-US" dirty="0"/>
-              <a:t>Related works and Novelty</a:t>
+              <a:t>Related works </a:t>
             </a:r>
           </a:p>
         </p:txBody>
@@ -6881,7 +6925,7 @@
           <a:p>
             <a:r>
               <a:rPr lang="en-US" dirty="0"/>
-              <a:t>Design/ Proposed methods</a:t>
+              <a:t>Design/Proposed methods</a:t>
             </a:r>
           </a:p>
         </p:txBody>
@@ -7274,7 +7318,7 @@
             <a:pPr lvl="1"/>
             <a:r>
               <a:rPr lang="en-US" dirty="0"/>
-              <a:t>If even has both (location spoofing &amp; authentication failure), then anomaly factory is 0.75</a:t>
+              <a:t>If event has both (location spoofing &amp; authentication failure), then anomaly factory is 0.75</a:t>
             </a:r>
           </a:p>
           <a:p>
